--- a/Weekly/汇报/O2E-TU-2_汇报_0506.pptx
+++ b/Weekly/汇报/O2E-TU-2_汇报_0506.pptx
@@ -219,7 +219,7 @@
           <a:p>
             <a:fld id="{D2A48B96-639E-45A3-A0BA-2464DFDB1FAA}" type="datetimeFigureOut">
               <a:rPr lang="zh-CN" altLang="en-US" smtClean="0"/>
-              <a:t>2022/5/5</a:t>
+              <a:t>2022/6/7</a:t>
             </a:fld>
             <a:endParaRPr lang="zh-CN" altLang="en-US"/>
           </a:p>
@@ -666,7 +666,7 @@
           <a:p>
             <a:fld id="{D997B5FA-0921-464F-AAE1-844C04324D75}" type="datetimeFigureOut">
               <a:rPr lang="zh-CN" altLang="en-US" smtClean="0"/>
-              <a:t>2022/5/5</a:t>
+              <a:t>2022/6/7</a:t>
             </a:fld>
             <a:endParaRPr lang="zh-CN" altLang="en-US"/>
           </a:p>
@@ -829,7 +829,7 @@
           <a:p>
             <a:fld id="{D997B5FA-0921-464F-AAE1-844C04324D75}" type="datetimeFigureOut">
               <a:rPr lang="zh-CN" altLang="en-US" smtClean="0"/>
-              <a:t>2022/5/5</a:t>
+              <a:t>2022/6/7</a:t>
             </a:fld>
             <a:endParaRPr lang="zh-CN" altLang="en-US"/>
           </a:p>
@@ -1002,7 +1002,7 @@
           <a:p>
             <a:fld id="{D997B5FA-0921-464F-AAE1-844C04324D75}" type="datetimeFigureOut">
               <a:rPr lang="zh-CN" altLang="en-US" smtClean="0"/>
-              <a:t>2022/5/5</a:t>
+              <a:t>2022/6/7</a:t>
             </a:fld>
             <a:endParaRPr lang="zh-CN" altLang="en-US"/>
           </a:p>
@@ -1165,7 +1165,7 @@
           <a:p>
             <a:fld id="{D997B5FA-0921-464F-AAE1-844C04324D75}" type="datetimeFigureOut">
               <a:rPr lang="zh-CN" altLang="en-US" smtClean="0"/>
-              <a:t>2022/5/5</a:t>
+              <a:t>2022/6/7</a:t>
             </a:fld>
             <a:endParaRPr lang="zh-CN" altLang="en-US"/>
           </a:p>
@@ -1405,7 +1405,7 @@
           <a:p>
             <a:fld id="{D997B5FA-0921-464F-AAE1-844C04324D75}" type="datetimeFigureOut">
               <a:rPr lang="zh-CN" altLang="en-US" smtClean="0"/>
-              <a:t>2022/5/5</a:t>
+              <a:t>2022/6/7</a:t>
             </a:fld>
             <a:endParaRPr lang="zh-CN" altLang="en-US"/>
           </a:p>
@@ -1629,7 +1629,7 @@
           <a:p>
             <a:fld id="{D997B5FA-0921-464F-AAE1-844C04324D75}" type="datetimeFigureOut">
               <a:rPr lang="zh-CN" altLang="en-US" smtClean="0"/>
-              <a:t>2022/5/5</a:t>
+              <a:t>2022/6/7</a:t>
             </a:fld>
             <a:endParaRPr lang="zh-CN" altLang="en-US"/>
           </a:p>
@@ -1988,7 +1988,7 @@
           <a:p>
             <a:fld id="{D997B5FA-0921-464F-AAE1-844C04324D75}" type="datetimeFigureOut">
               <a:rPr lang="zh-CN" altLang="en-US" smtClean="0"/>
-              <a:t>2022/5/5</a:t>
+              <a:t>2022/6/7</a:t>
             </a:fld>
             <a:endParaRPr lang="zh-CN" altLang="en-US"/>
           </a:p>
@@ -2100,7 +2100,7 @@
           <a:p>
             <a:fld id="{D997B5FA-0921-464F-AAE1-844C04324D75}" type="datetimeFigureOut">
               <a:rPr lang="zh-CN" altLang="en-US" smtClean="0"/>
-              <a:t>2022/5/5</a:t>
+              <a:t>2022/6/7</a:t>
             </a:fld>
             <a:endParaRPr lang="zh-CN" altLang="en-US"/>
           </a:p>
@@ -2190,7 +2190,7 @@
           <a:p>
             <a:fld id="{D997B5FA-0921-464F-AAE1-844C04324D75}" type="datetimeFigureOut">
               <a:rPr lang="zh-CN" altLang="en-US" smtClean="0"/>
-              <a:t>2022/5/5</a:t>
+              <a:t>2022/6/7</a:t>
             </a:fld>
             <a:endParaRPr lang="zh-CN" altLang="en-US"/>
           </a:p>
@@ -2460,7 +2460,7 @@
           <a:p>
             <a:fld id="{D997B5FA-0921-464F-AAE1-844C04324D75}" type="datetimeFigureOut">
               <a:rPr lang="zh-CN" altLang="en-US" smtClean="0"/>
-              <a:t>2022/5/5</a:t>
+              <a:t>2022/6/7</a:t>
             </a:fld>
             <a:endParaRPr lang="zh-CN" altLang="en-US"/>
           </a:p>
@@ -2707,7 +2707,7 @@
           <a:p>
             <a:fld id="{D997B5FA-0921-464F-AAE1-844C04324D75}" type="datetimeFigureOut">
               <a:rPr lang="zh-CN" altLang="en-US" smtClean="0"/>
-              <a:t>2022/5/5</a:t>
+              <a:t>2022/6/7</a:t>
             </a:fld>
             <a:endParaRPr lang="zh-CN" altLang="en-US"/>
           </a:p>
@@ -2913,7 +2913,7 @@
           <a:p>
             <a:fld id="{D997B5FA-0921-464F-AAE1-844C04324D75}" type="datetimeFigureOut">
               <a:rPr lang="zh-CN" altLang="en-US" smtClean="0"/>
-              <a:t>2022/5/5</a:t>
+              <a:t>2022/6/7</a:t>
             </a:fld>
             <a:endParaRPr lang="zh-CN" altLang="en-US"/>
           </a:p>
@@ -3818,6 +3818,92 @@
               <a:rPr lang="zh-CN" altLang="en-US"/>
               <a:t>汇报：肖昌朝</a:t>
             </a:r>
+          </a:p>
+        </p:txBody>
+      </p:sp>
+      <p:sp>
+        <p:nvSpPr>
+          <p:cNvPr id="13" name="矩形 12">
+            <a:extLst>
+              <a:ext uri="{FF2B5EF4-FFF2-40B4-BE49-F238E27FC236}">
+                <a16:creationId xmlns:a16="http://schemas.microsoft.com/office/drawing/2014/main" id="{D92DB68A-64D2-304A-8AEF-72F7B035E1C3}"/>
+              </a:ext>
+            </a:extLst>
+          </p:cNvPr>
+          <p:cNvSpPr/>
+          <p:nvPr/>
+        </p:nvSpPr>
+        <p:spPr>
+          <a:xfrm>
+            <a:off x="3747184" y="4372610"/>
+            <a:ext cx="1707409" cy="589915"/>
+          </a:xfrm>
+          <a:prstGeom prst="rect">
+            <a:avLst/>
+          </a:prstGeom>
+        </p:spPr>
+        <p:style>
+          <a:lnRef idx="2">
+            <a:schemeClr val="accent1">
+              <a:shade val="50000"/>
+            </a:schemeClr>
+          </a:lnRef>
+          <a:fillRef idx="1">
+            <a:schemeClr val="accent1"/>
+          </a:fillRef>
+          <a:effectRef idx="0">
+            <a:schemeClr val="accent1"/>
+          </a:effectRef>
+          <a:fontRef idx="minor">
+            <a:schemeClr val="lt1"/>
+          </a:fontRef>
+        </p:style>
+        <p:txBody>
+          <a:bodyPr rtlCol="0" anchor="ctr"/>
+          <a:lstStyle/>
+          <a:p>
+            <a:pPr algn="ctr"/>
+            <a:endParaRPr lang="zh-CN" altLang="en-US"/>
+          </a:p>
+        </p:txBody>
+      </p:sp>
+      <p:sp>
+        <p:nvSpPr>
+          <p:cNvPr id="14" name="文本框 13">
+            <a:extLst>
+              <a:ext uri="{FF2B5EF4-FFF2-40B4-BE49-F238E27FC236}">
+                <a16:creationId xmlns:a16="http://schemas.microsoft.com/office/drawing/2014/main" id="{25D6A76F-60BA-6F4E-8D61-F9411719F39B}"/>
+              </a:ext>
+            </a:extLst>
+          </p:cNvPr>
+          <p:cNvSpPr txBox="1"/>
+          <p:nvPr/>
+        </p:nvSpPr>
+        <p:spPr>
+          <a:xfrm>
+            <a:off x="3747185" y="4483100"/>
+            <a:ext cx="1856740" cy="369332"/>
+          </a:xfrm>
+          <a:prstGeom prst="rect">
+            <a:avLst/>
+          </a:prstGeom>
+          <a:noFill/>
+        </p:spPr>
+        <p:txBody>
+          <a:bodyPr wrap="square" rtlCol="0">
+            <a:spAutoFit/>
+          </a:bodyPr>
+          <a:lstStyle/>
+          <a:p>
+            <a:r>
+              <a:rPr lang="en-US" altLang="zh-CN" dirty="0"/>
+              <a:t>O2E-TU-2 </a:t>
+            </a:r>
+            <a:r>
+              <a:rPr lang="zh-CN" altLang="en-US" dirty="0"/>
+              <a:t>小组</a:t>
+            </a:r>
+            <a:endParaRPr lang="en-US" altLang="zh-CN" dirty="0"/>
           </a:p>
         </p:txBody>
       </p:sp>
